--- a/Presentation.pptx
+++ b/Presentation.pptx
@@ -3765,10 +3765,29 @@
             <p:ph idx="1"/>
           </p:nvPr>
         </p:nvSpPr>
-        <p:spPr/>
-        <p:txBody>
-          <a:bodyPr/>
-          <a:lstStyle/>
+        <p:spPr>
+          <a:xfrm>
+            <a:off x="2231136" y="2638044"/>
+            <a:ext cx="7729728" cy="3552549"/>
+          </a:xfrm>
+        </p:spPr>
+        <p:txBody>
+          <a:bodyPr>
+            <a:normAutofit/>
+          </a:bodyPr>
+          <a:lstStyle/>
+          <a:p>
+            <a:r>
+              <a:rPr lang="fr-FR" dirty="0"/>
+              <a:t>Construire une partie du système d’information de la société NETFLIX</a:t>
+            </a:r>
+          </a:p>
+          <a:p>
+            <a:pPr marL="0" indent="0">
+              <a:buNone/>
+            </a:pPr>
+            <a:endParaRPr lang="fr-FR" dirty="0"/>
+          </a:p>
           <a:p>
             <a:r>
               <a:rPr lang="fr-FR" dirty="0"/>
@@ -3810,21 +3829,8 @@
           <a:p>
             <a:r>
               <a:rPr lang="fr-FR" dirty="0"/>
-              <a:t>1 livrable </a:t>
-            </a:r>
-            <a:r>
-              <a:rPr lang="fr-FR"/>
-              <a:t>qui sera </a:t>
-            </a:r>
-            <a:r>
-              <a:rPr lang="fr-FR" dirty="0"/>
-              <a:t>la composition des </a:t>
-            </a:r>
-            <a:r>
-              <a:rPr lang="fr-FR"/>
-              <a:t>4 applications.</a:t>
-            </a:r>
-            <a:endParaRPr lang="fr-FR" dirty="0"/>
+              <a:t>1 livrable qui sera la composition des 4 applications.</a:t>
+            </a:r>
           </a:p>
         </p:txBody>
       </p:sp>

--- a/Presentation.pptx
+++ b/Presentation.pptx
@@ -13,9 +13,10 @@
     <p:sldId id="257" r:id="rId7"/>
     <p:sldId id="259" r:id="rId8"/>
     <p:sldId id="266" r:id="rId9"/>
-    <p:sldId id="268" r:id="rId10"/>
-    <p:sldId id="263" r:id="rId11"/>
-    <p:sldId id="267" r:id="rId12"/>
+    <p:sldId id="270" r:id="rId10"/>
+    <p:sldId id="268" r:id="rId11"/>
+    <p:sldId id="263" r:id="rId12"/>
+    <p:sldId id="267" r:id="rId13"/>
   </p:sldIdLst>
   <p:sldSz cx="12192000" cy="6858000"/>
   <p:notesSz cx="6858000" cy="9144000"/>
@@ -285,7 +286,7 @@
           <a:p>
             <a:fld id="{1160EA64-D806-43AC-9DF2-F8C432F32B4C}" type="datetimeFigureOut">
               <a:rPr lang="en-US" dirty="0"/>
-              <a:t>4/7/22</a:t>
+              <a:t>4/8/22</a:t>
             </a:fld>
             <a:endParaRPr lang="en-US" dirty="0"/>
           </a:p>
@@ -451,7 +452,7 @@
           <a:p>
             <a:fld id="{E9F9C37B-1D36-470B-8223-D6C91242EC14}" type="datetimeFigureOut">
               <a:rPr lang="en-US" dirty="0"/>
-              <a:t>4/7/22</a:t>
+              <a:t>4/8/22</a:t>
             </a:fld>
             <a:endParaRPr lang="en-US" dirty="0"/>
           </a:p>
@@ -626,7 +627,7 @@
           <a:p>
             <a:fld id="{67C6F52A-A82B-47A2-A83A-8C4C91F2D59F}" type="datetimeFigureOut">
               <a:rPr lang="en-US" dirty="0"/>
-              <a:t>4/7/22</a:t>
+              <a:t>4/8/22</a:t>
             </a:fld>
             <a:endParaRPr lang="en-US" dirty="0"/>
           </a:p>
@@ -791,7 +792,7 @@
           <a:p>
             <a:fld id="{F070A7B3-6521-4DCA-87E5-044747A908C1}" type="datetimeFigureOut">
               <a:rPr lang="en-US" dirty="0"/>
-              <a:t>4/7/22</a:t>
+              <a:t>4/8/22</a:t>
             </a:fld>
             <a:endParaRPr lang="en-US" dirty="0"/>
           </a:p>
@@ -1055,7 +1056,7 @@
           <a:p>
             <a:fld id="{1160EA64-D806-43AC-9DF2-F8C432F32B4C}" type="datetimeFigureOut">
               <a:rPr lang="en-US" dirty="0"/>
-              <a:t>4/7/22</a:t>
+              <a:t>4/8/22</a:t>
             </a:fld>
             <a:endParaRPr lang="en-US" dirty="0"/>
           </a:p>
@@ -1283,7 +1284,7 @@
           <a:p>
             <a:fld id="{AB134690-1557-4C89-A502-4959FE7FAD70}" type="datetimeFigureOut">
               <a:rPr lang="en-US" dirty="0"/>
-              <a:t>4/7/22</a:t>
+              <a:t>4/8/22</a:t>
             </a:fld>
             <a:endParaRPr lang="en-US" dirty="0"/>
           </a:p>
@@ -1637,7 +1638,7 @@
           <a:p>
             <a:fld id="{4F7D4976-E339-4826-83B7-FBD03F55ECF8}" type="datetimeFigureOut">
               <a:rPr lang="en-US" dirty="0"/>
-              <a:t>4/7/22</a:t>
+              <a:t>4/8/22</a:t>
             </a:fld>
             <a:endParaRPr lang="en-US" dirty="0"/>
           </a:p>
@@ -1773,7 +1774,7 @@
           <a:p>
             <a:fld id="{E1037C31-9E7A-4F99-8774-A0E530DE1A42}" type="datetimeFigureOut">
               <a:rPr lang="en-US" dirty="0"/>
-              <a:t>4/7/22</a:t>
+              <a:t>4/8/22</a:t>
             </a:fld>
             <a:endParaRPr lang="en-US" dirty="0"/>
           </a:p>
@@ -1863,7 +1864,7 @@
           <a:p>
             <a:fld id="{C278504F-A551-4DE0-9316-4DCD1D8CC752}" type="datetimeFigureOut">
               <a:rPr lang="en-US" dirty="0"/>
-              <a:t>4/7/22</a:t>
+              <a:t>4/8/22</a:t>
             </a:fld>
             <a:endParaRPr lang="en-US" dirty="0"/>
           </a:p>
@@ -2215,7 +2216,7 @@
           <a:p>
             <a:fld id="{D1BE4249-C0D0-4B06-8692-E8BB871AF643}" type="datetimeFigureOut">
               <a:rPr lang="en-US" dirty="0"/>
-              <a:t>4/7/22</a:t>
+              <a:t>4/8/22</a:t>
             </a:fld>
             <a:endParaRPr lang="en-US" dirty="0"/>
           </a:p>
@@ -2567,7 +2568,7 @@
           <a:p>
             <a:fld id="{042B0DB6-F5C7-45FB-8CF3-31B45F9C2DAC}" type="datetimeFigureOut">
               <a:rPr lang="en-US" dirty="0"/>
-              <a:t>4/7/22</a:t>
+              <a:t>4/8/22</a:t>
             </a:fld>
             <a:endParaRPr lang="en-US" dirty="0"/>
           </a:p>
@@ -2804,7 +2805,7 @@
           <a:p>
             <a:fld id="{1160EA64-D806-43AC-9DF2-F8C432F32B4C}" type="datetimeFigureOut">
               <a:rPr lang="en-US" dirty="0"/>
-              <a:t>4/7/22</a:t>
+              <a:t>4/8/22</a:t>
             </a:fld>
             <a:endParaRPr lang="en-US" dirty="0"/>
           </a:p>
@@ -3358,6 +3359,173 @@
           <p:cNvPr id="2" name="Title 1">
             <a:extLst>
               <a:ext uri="{FF2B5EF4-FFF2-40B4-BE49-F238E27FC236}">
+                <a16:creationId xmlns:a16="http://schemas.microsoft.com/office/drawing/2014/main" id="{10FA0AD3-53AC-F241-B870-BAEC35732025}"/>
+              </a:ext>
+            </a:extLst>
+          </p:cNvPr>
+          <p:cNvSpPr>
+            <a:spLocks noGrp="1"/>
+          </p:cNvSpPr>
+          <p:nvPr>
+            <p:ph type="title"/>
+          </p:nvPr>
+        </p:nvSpPr>
+        <p:spPr>
+          <a:xfrm>
+            <a:off x="2231136" y="598934"/>
+            <a:ext cx="7729728" cy="1188720"/>
+          </a:xfrm>
+        </p:spPr>
+        <p:txBody>
+          <a:bodyPr/>
+          <a:lstStyle/>
+          <a:p>
+            <a:r>
+              <a:rPr lang="fr-FR" dirty="0"/>
+              <a:t>Les Axes d’améliorations</a:t>
+            </a:r>
+          </a:p>
+        </p:txBody>
+      </p:sp>
+      <p:sp>
+        <p:nvSpPr>
+          <p:cNvPr id="3" name="Content Placeholder 2">
+            <a:extLst>
+              <a:ext uri="{FF2B5EF4-FFF2-40B4-BE49-F238E27FC236}">
+                <a16:creationId xmlns:a16="http://schemas.microsoft.com/office/drawing/2014/main" id="{C39E324D-F53F-EE40-8880-73ACBFAA008D}"/>
+              </a:ext>
+            </a:extLst>
+          </p:cNvPr>
+          <p:cNvSpPr>
+            <a:spLocks noGrp="1"/>
+          </p:cNvSpPr>
+          <p:nvPr>
+            <p:ph idx="1"/>
+          </p:nvPr>
+        </p:nvSpPr>
+        <p:spPr>
+          <a:xfrm>
+            <a:off x="2231136" y="2342623"/>
+            <a:ext cx="7729728" cy="3563059"/>
+          </a:xfrm>
+        </p:spPr>
+        <p:txBody>
+          <a:bodyPr/>
+          <a:lstStyle/>
+          <a:p>
+            <a:r>
+              <a:rPr lang="fr-FR" dirty="0"/>
+              <a:t>Déploiement du système complet sur un Cloud (exemple :  AWS,  Azure, IBM)</a:t>
+            </a:r>
+          </a:p>
+          <a:p>
+            <a:r>
+              <a:rPr lang="fr-FR" dirty="0"/>
+              <a:t>Gérez l’écosystème de conteneurs avec Kubernetes</a:t>
+            </a:r>
+          </a:p>
+          <a:p>
+            <a:endParaRPr lang="fr-FR" dirty="0"/>
+          </a:p>
+          <a:p>
+            <a:r>
+              <a:rPr lang="fr-FR" dirty="0"/>
+              <a:t>Ajouter un système de </a:t>
+            </a:r>
+            <a:r>
+              <a:rPr lang="fr-FR" dirty="0" err="1"/>
+              <a:t>like</a:t>
+            </a:r>
+            <a:r>
+              <a:rPr lang="fr-FR" dirty="0"/>
+              <a:t>/</a:t>
+            </a:r>
+            <a:r>
+              <a:rPr lang="fr-FR" dirty="0" err="1"/>
+              <a:t>dislike</a:t>
+            </a:r>
+            <a:r>
+              <a:rPr lang="fr-FR" dirty="0"/>
+              <a:t> pour les vidéos </a:t>
+            </a:r>
+          </a:p>
+          <a:p>
+            <a:pPr lvl="1"/>
+            <a:r>
+              <a:rPr lang="fr-FR" dirty="0"/>
+              <a:t>Introduire un algorithme de proposition de vidéo en fonction des </a:t>
+            </a:r>
+            <a:r>
+              <a:rPr lang="fr-FR" dirty="0" err="1"/>
+              <a:t>likes</a:t>
+            </a:r>
+            <a:r>
+              <a:rPr lang="fr-FR" dirty="0"/>
+              <a:t> et visionnage</a:t>
+            </a:r>
+          </a:p>
+          <a:p>
+            <a:pPr lvl="1"/>
+            <a:endParaRPr lang="fr-FR" dirty="0"/>
+          </a:p>
+          <a:p>
+            <a:r>
+              <a:rPr lang="fr-FR" dirty="0"/>
+              <a:t>Ajouter une liste de favoris</a:t>
+            </a:r>
+          </a:p>
+          <a:p>
+            <a:endParaRPr lang="fr-FR" dirty="0"/>
+          </a:p>
+          <a:p>
+            <a:r>
+              <a:rPr lang="fr-FR" dirty="0"/>
+              <a:t>Ajouter la notion d’épisode pour les séries</a:t>
+            </a:r>
+          </a:p>
+          <a:p>
+            <a:endParaRPr lang="fr-FR" dirty="0"/>
+          </a:p>
+        </p:txBody>
+      </p:sp>
+    </p:spTree>
+    <p:extLst>
+      <p:ext uri="{BB962C8B-B14F-4D97-AF65-F5344CB8AC3E}">
+        <p14:creationId xmlns:p14="http://schemas.microsoft.com/office/powerpoint/2010/main" val="2517829131"/>
+      </p:ext>
+    </p:extLst>
+  </p:cSld>
+  <p:clrMapOvr>
+    <a:masterClrMapping/>
+  </p:clrMapOvr>
+  <p:transition spd="slow">
+    <p:wipe/>
+  </p:transition>
+</p:sld>
+</file>
+
+<file path=ppt/slides/slide11.xml><?xml version="1.0" encoding="utf-8"?>
+<p:sld xmlns:a="http://schemas.openxmlformats.org/drawingml/2006/main" xmlns:r="http://schemas.openxmlformats.org/officeDocument/2006/relationships" xmlns:p="http://schemas.openxmlformats.org/presentationml/2006/main">
+  <p:cSld>
+    <p:spTree>
+      <p:nvGrpSpPr>
+        <p:cNvPr id="1" name=""/>
+        <p:cNvGrpSpPr/>
+        <p:nvPr/>
+      </p:nvGrpSpPr>
+      <p:grpSpPr>
+        <a:xfrm>
+          <a:off x="0" y="0"/>
+          <a:ext cx="0" cy="0"/>
+          <a:chOff x="0" y="0"/>
+          <a:chExt cx="0" cy="0"/>
+        </a:xfrm>
+      </p:grpSpPr>
+      <p:sp>
+        <p:nvSpPr>
+          <p:cNvPr id="2" name="Title 1">
+            <a:extLst>
+              <a:ext uri="{FF2B5EF4-FFF2-40B4-BE49-F238E27FC236}">
                 <a16:creationId xmlns:a16="http://schemas.microsoft.com/office/drawing/2014/main" id="{1582F09C-2D7B-AC41-AC63-487B2CFE2494}"/>
               </a:ext>
             </a:extLst>
@@ -3466,7 +3634,7 @@
 </p:sld>
 </file>
 
-<file path=ppt/slides/slide11.xml><?xml version="1.0" encoding="utf-8"?>
+<file path=ppt/slides/slide12.xml><?xml version="1.0" encoding="utf-8"?>
 <p:sld xmlns:a="http://schemas.openxmlformats.org/drawingml/2006/main" xmlns:r="http://schemas.openxmlformats.org/officeDocument/2006/relationships" xmlns:p="http://schemas.openxmlformats.org/presentationml/2006/main">
   <p:cSld>
     <p:bg>
@@ -6179,7 +6347,7 @@
         </p:nvSpPr>
         <p:spPr>
           <a:xfrm>
-            <a:off x="2231136" y="598934"/>
+            <a:off x="2231136" y="2834640"/>
             <a:ext cx="7729728" cy="1188720"/>
           </a:xfrm>
         </p:spPr>
@@ -6188,109 +6356,9 @@
           <a:lstStyle/>
           <a:p>
             <a:r>
-              <a:rPr lang="fr-FR" dirty="0"/>
-              <a:t>Les Axes d’améliorations</a:t>
-            </a:r>
-          </a:p>
-        </p:txBody>
-      </p:sp>
-      <p:sp>
-        <p:nvSpPr>
-          <p:cNvPr id="3" name="Content Placeholder 2">
-            <a:extLst>
-              <a:ext uri="{FF2B5EF4-FFF2-40B4-BE49-F238E27FC236}">
-                <a16:creationId xmlns:a16="http://schemas.microsoft.com/office/drawing/2014/main" id="{C39E324D-F53F-EE40-8880-73ACBFAA008D}"/>
-              </a:ext>
-            </a:extLst>
-          </p:cNvPr>
-          <p:cNvSpPr>
-            <a:spLocks noGrp="1"/>
-          </p:cNvSpPr>
-          <p:nvPr>
-            <p:ph idx="1"/>
-          </p:nvPr>
-        </p:nvSpPr>
-        <p:spPr>
-          <a:xfrm>
-            <a:off x="2231136" y="2342623"/>
-            <a:ext cx="7729728" cy="3563059"/>
-          </a:xfrm>
-        </p:spPr>
-        <p:txBody>
-          <a:bodyPr/>
-          <a:lstStyle/>
-          <a:p>
-            <a:r>
-              <a:rPr lang="fr-FR" dirty="0"/>
-              <a:t>Déploiement du système complet sur un Cloud (exemple :  AWS,  Azure, IBM)</a:t>
-            </a:r>
-          </a:p>
-          <a:p>
-            <a:r>
-              <a:rPr lang="fr-FR" dirty="0"/>
-              <a:t>Gérez l’écosystème de conteneurs avec Kubernetes</a:t>
-            </a:r>
-          </a:p>
-          <a:p>
-            <a:endParaRPr lang="fr-FR" dirty="0"/>
-          </a:p>
-          <a:p>
-            <a:r>
-              <a:rPr lang="fr-FR" dirty="0"/>
-              <a:t>Ajouter un système de </a:t>
-            </a:r>
-            <a:r>
-              <a:rPr lang="fr-FR" dirty="0" err="1"/>
-              <a:t>like</a:t>
-            </a:r>
-            <a:r>
-              <a:rPr lang="fr-FR" dirty="0"/>
-              <a:t>/</a:t>
-            </a:r>
-            <a:r>
-              <a:rPr lang="fr-FR" dirty="0" err="1"/>
-              <a:t>dislike</a:t>
-            </a:r>
-            <a:r>
-              <a:rPr lang="fr-FR" dirty="0"/>
-              <a:t> pour les vidéos </a:t>
-            </a:r>
-          </a:p>
-          <a:p>
-            <a:pPr lvl="1"/>
-            <a:r>
-              <a:rPr lang="fr-FR" dirty="0"/>
-              <a:t>Introduire un algorithme de proposition de vidéo en fonction des </a:t>
-            </a:r>
-            <a:r>
-              <a:rPr lang="fr-FR" dirty="0" err="1"/>
-              <a:t>likes</a:t>
-            </a:r>
-            <a:r>
-              <a:rPr lang="fr-FR" dirty="0"/>
-              <a:t> et visionnage</a:t>
-            </a:r>
-          </a:p>
-          <a:p>
-            <a:pPr lvl="1"/>
-            <a:endParaRPr lang="fr-FR" dirty="0"/>
-          </a:p>
-          <a:p>
-            <a:r>
-              <a:rPr lang="fr-FR" dirty="0"/>
-              <a:t>Ajouter une liste de favoris</a:t>
-            </a:r>
-          </a:p>
-          <a:p>
-            <a:endParaRPr lang="fr-FR" dirty="0"/>
-          </a:p>
-          <a:p>
-            <a:r>
-              <a:rPr lang="fr-FR" dirty="0"/>
-              <a:t>Ajouter la notion d’épisode pour les séries</a:t>
-            </a:r>
-          </a:p>
-          <a:p>
+              <a:rPr lang="fr-FR"/>
+              <a:t>Démonstration</a:t>
+            </a:r>
             <a:endParaRPr lang="fr-FR" dirty="0"/>
           </a:p>
         </p:txBody>
@@ -6298,7 +6366,7 @@
     </p:spTree>
     <p:extLst>
       <p:ext uri="{BB962C8B-B14F-4D97-AF65-F5344CB8AC3E}">
-        <p14:creationId xmlns:p14="http://schemas.microsoft.com/office/powerpoint/2010/main" val="2517829131"/>
+        <p14:creationId xmlns:p14="http://schemas.microsoft.com/office/powerpoint/2010/main" val="4200157070"/>
       </p:ext>
     </p:extLst>
   </p:cSld>

--- a/Presentation.pptx
+++ b/Presentation.pptx
@@ -9,14 +9,16 @@
     <p:sldId id="264" r:id="rId3"/>
     <p:sldId id="269" r:id="rId4"/>
     <p:sldId id="265" r:id="rId5"/>
-    <p:sldId id="258" r:id="rId6"/>
-    <p:sldId id="257" r:id="rId7"/>
-    <p:sldId id="259" r:id="rId8"/>
-    <p:sldId id="266" r:id="rId9"/>
-    <p:sldId id="270" r:id="rId10"/>
-    <p:sldId id="268" r:id="rId11"/>
-    <p:sldId id="263" r:id="rId12"/>
-    <p:sldId id="267" r:id="rId13"/>
+    <p:sldId id="271" r:id="rId6"/>
+    <p:sldId id="258" r:id="rId7"/>
+    <p:sldId id="272" r:id="rId8"/>
+    <p:sldId id="257" r:id="rId9"/>
+    <p:sldId id="259" r:id="rId10"/>
+    <p:sldId id="266" r:id="rId11"/>
+    <p:sldId id="270" r:id="rId12"/>
+    <p:sldId id="268" r:id="rId13"/>
+    <p:sldId id="263" r:id="rId14"/>
+    <p:sldId id="267" r:id="rId15"/>
   </p:sldIdLst>
   <p:sldSz cx="12192000" cy="6858000"/>
   <p:notesSz cx="6858000" cy="9144000"/>
@@ -3372,7 +3374,7 @@
         </p:nvSpPr>
         <p:spPr>
           <a:xfrm>
-            <a:off x="2231136" y="598934"/>
+            <a:off x="2231136" y="598932"/>
             <a:ext cx="7729728" cy="1188720"/>
           </a:xfrm>
         </p:spPr>
@@ -3382,7 +3384,7 @@
           <a:p>
             <a:r>
               <a:rPr lang="fr-FR" dirty="0"/>
-              <a:t>Les Axes d’améliorations</a:t>
+              <a:t>Procédure déploiement</a:t>
             </a:r>
           </a:p>
         </p:txBody>
@@ -3403,84 +3405,53 @@
             <p:ph idx="1"/>
           </p:nvPr>
         </p:nvSpPr>
-        <p:spPr>
-          <a:xfrm>
-            <a:off x="2231136" y="2342623"/>
-            <a:ext cx="7729728" cy="3563059"/>
-          </a:xfrm>
-        </p:spPr>
+        <p:spPr/>
         <p:txBody>
           <a:bodyPr/>
           <a:lstStyle/>
           <a:p>
             <a:r>
               <a:rPr lang="fr-FR" dirty="0"/>
-              <a:t>Déploiement du système complet sur un Cloud (exemple :  AWS,  Azure, IBM)</a:t>
-            </a:r>
-          </a:p>
-          <a:p>
-            <a:r>
-              <a:rPr lang="fr-FR" dirty="0"/>
-              <a:t>Gérez l’écosystème de conteneurs avec Kubernetes</a:t>
-            </a:r>
-          </a:p>
-          <a:p>
+              <a:t>Installer docker / docker compose </a:t>
+            </a:r>
+          </a:p>
+          <a:p>
+            <a:r>
+              <a:rPr lang="fr-FR" dirty="0"/>
+              <a:t>Git clone </a:t>
+            </a:r>
+            <a:r>
+              <a:rPr lang="fr-FR" dirty="0">
+                <a:hlinkClick r:id="rId2"/>
+              </a:rPr>
+              <a:t>https://github.com/hugoj78/servicewebnetflixdocker</a:t>
+            </a:r>
             <a:endParaRPr lang="fr-FR" dirty="0"/>
           </a:p>
           <a:p>
             <a:r>
               <a:rPr lang="fr-FR" dirty="0"/>
-              <a:t>Ajouter un système de </a:t>
+              <a:t>Se mettre dans le dossier « </a:t>
             </a:r>
             <a:r>
               <a:rPr lang="fr-FR" dirty="0" err="1"/>
-              <a:t>like</a:t>
-            </a:r>
-            <a:r>
-              <a:rPr lang="fr-FR" dirty="0"/>
-              <a:t>/</a:t>
-            </a:r>
-            <a:r>
-              <a:rPr lang="fr-FR" dirty="0" err="1"/>
-              <a:t>dislike</a:t>
-            </a:r>
-            <a:r>
-              <a:rPr lang="fr-FR" dirty="0"/>
-              <a:t> pour les vidéos </a:t>
-            </a:r>
-          </a:p>
-          <a:p>
-            <a:pPr lvl="1"/>
-            <a:r>
-              <a:rPr lang="fr-FR" dirty="0"/>
-              <a:t>Introduire un algorithme de proposition de vidéo en fonction des </a:t>
-            </a:r>
-            <a:r>
-              <a:rPr lang="fr-FR" dirty="0" err="1"/>
-              <a:t>likes</a:t>
-            </a:r>
-            <a:r>
-              <a:rPr lang="fr-FR" dirty="0"/>
-              <a:t> et visionnage</a:t>
-            </a:r>
-          </a:p>
-          <a:p>
-            <a:pPr lvl="1"/>
-            <a:endParaRPr lang="fr-FR" dirty="0"/>
-          </a:p>
-          <a:p>
-            <a:r>
-              <a:rPr lang="fr-FR" dirty="0"/>
-              <a:t>Ajouter une liste de favoris</a:t>
-            </a:r>
-          </a:p>
-          <a:p>
-            <a:endParaRPr lang="fr-FR" dirty="0"/>
-          </a:p>
-          <a:p>
-            <a:r>
-              <a:rPr lang="fr-FR" dirty="0"/>
-              <a:t>Ajouter la notion d’épisode pour les séries</a:t>
+              <a:t>servicewebnetflixdocker</a:t>
+            </a:r>
+            <a:r>
+              <a:rPr lang="fr-FR" dirty="0"/>
+              <a:t> »</a:t>
+            </a:r>
+          </a:p>
+          <a:p>
+            <a:r>
+              <a:rPr lang="fr-FR" dirty="0"/>
+              <a:t>Lancer la commande :   « docker compose up »</a:t>
+            </a:r>
+          </a:p>
+          <a:p>
+            <a:r>
+              <a:rPr lang="fr-FR" dirty="0"/>
+              <a:t>Ouvrir son navigateur à l’url suivante : « http://localhost:3000/ »</a:t>
             </a:r>
           </a:p>
           <a:p>
@@ -3491,7 +3462,7 @@
     </p:spTree>
     <p:extLst>
       <p:ext uri="{BB962C8B-B14F-4D97-AF65-F5344CB8AC3E}">
-        <p14:creationId xmlns:p14="http://schemas.microsoft.com/office/powerpoint/2010/main" val="2517829131"/>
+        <p14:creationId xmlns:p14="http://schemas.microsoft.com/office/powerpoint/2010/main" val="1385741746"/>
       </p:ext>
     </p:extLst>
   </p:cSld>
@@ -3526,6 +3497,239 @@
           <p:cNvPr id="2" name="Title 1">
             <a:extLst>
               <a:ext uri="{FF2B5EF4-FFF2-40B4-BE49-F238E27FC236}">
+                <a16:creationId xmlns:a16="http://schemas.microsoft.com/office/drawing/2014/main" id="{10FA0AD3-53AC-F241-B870-BAEC35732025}"/>
+              </a:ext>
+            </a:extLst>
+          </p:cNvPr>
+          <p:cNvSpPr>
+            <a:spLocks noGrp="1"/>
+          </p:cNvSpPr>
+          <p:nvPr>
+            <p:ph type="title"/>
+          </p:nvPr>
+        </p:nvSpPr>
+        <p:spPr>
+          <a:xfrm>
+            <a:off x="2231136" y="2834640"/>
+            <a:ext cx="7729728" cy="1188720"/>
+          </a:xfrm>
+        </p:spPr>
+        <p:txBody>
+          <a:bodyPr/>
+          <a:lstStyle/>
+          <a:p>
+            <a:r>
+              <a:rPr lang="fr-FR" dirty="0"/>
+              <a:t>Démonstration</a:t>
+            </a:r>
+          </a:p>
+        </p:txBody>
+      </p:sp>
+    </p:spTree>
+    <p:extLst>
+      <p:ext uri="{BB962C8B-B14F-4D97-AF65-F5344CB8AC3E}">
+        <p14:creationId xmlns:p14="http://schemas.microsoft.com/office/powerpoint/2010/main" val="4200157070"/>
+      </p:ext>
+    </p:extLst>
+  </p:cSld>
+  <p:clrMapOvr>
+    <a:masterClrMapping/>
+  </p:clrMapOvr>
+  <p:transition spd="slow">
+    <p:wipe/>
+  </p:transition>
+</p:sld>
+</file>
+
+<file path=ppt/slides/slide12.xml><?xml version="1.0" encoding="utf-8"?>
+<p:sld xmlns:a="http://schemas.openxmlformats.org/drawingml/2006/main" xmlns:r="http://schemas.openxmlformats.org/officeDocument/2006/relationships" xmlns:p="http://schemas.openxmlformats.org/presentationml/2006/main">
+  <p:cSld>
+    <p:spTree>
+      <p:nvGrpSpPr>
+        <p:cNvPr id="1" name=""/>
+        <p:cNvGrpSpPr/>
+        <p:nvPr/>
+      </p:nvGrpSpPr>
+      <p:grpSpPr>
+        <a:xfrm>
+          <a:off x="0" y="0"/>
+          <a:ext cx="0" cy="0"/>
+          <a:chOff x="0" y="0"/>
+          <a:chExt cx="0" cy="0"/>
+        </a:xfrm>
+      </p:grpSpPr>
+      <p:sp>
+        <p:nvSpPr>
+          <p:cNvPr id="2" name="Title 1">
+            <a:extLst>
+              <a:ext uri="{FF2B5EF4-FFF2-40B4-BE49-F238E27FC236}">
+                <a16:creationId xmlns:a16="http://schemas.microsoft.com/office/drawing/2014/main" id="{10FA0AD3-53AC-F241-B870-BAEC35732025}"/>
+              </a:ext>
+            </a:extLst>
+          </p:cNvPr>
+          <p:cNvSpPr>
+            <a:spLocks noGrp="1"/>
+          </p:cNvSpPr>
+          <p:nvPr>
+            <p:ph type="title"/>
+          </p:nvPr>
+        </p:nvSpPr>
+        <p:spPr>
+          <a:xfrm>
+            <a:off x="2231136" y="598934"/>
+            <a:ext cx="7729728" cy="1188720"/>
+          </a:xfrm>
+        </p:spPr>
+        <p:txBody>
+          <a:bodyPr/>
+          <a:lstStyle/>
+          <a:p>
+            <a:r>
+              <a:rPr lang="fr-FR" dirty="0"/>
+              <a:t>Les Axes d’améliorations</a:t>
+            </a:r>
+          </a:p>
+        </p:txBody>
+      </p:sp>
+      <p:sp>
+        <p:nvSpPr>
+          <p:cNvPr id="3" name="Content Placeholder 2">
+            <a:extLst>
+              <a:ext uri="{FF2B5EF4-FFF2-40B4-BE49-F238E27FC236}">
+                <a16:creationId xmlns:a16="http://schemas.microsoft.com/office/drawing/2014/main" id="{C39E324D-F53F-EE40-8880-73ACBFAA008D}"/>
+              </a:ext>
+            </a:extLst>
+          </p:cNvPr>
+          <p:cNvSpPr>
+            <a:spLocks noGrp="1"/>
+          </p:cNvSpPr>
+          <p:nvPr>
+            <p:ph idx="1"/>
+          </p:nvPr>
+        </p:nvSpPr>
+        <p:spPr>
+          <a:xfrm>
+            <a:off x="2231136" y="2342623"/>
+            <a:ext cx="7729728" cy="3563059"/>
+          </a:xfrm>
+        </p:spPr>
+        <p:txBody>
+          <a:bodyPr/>
+          <a:lstStyle/>
+          <a:p>
+            <a:r>
+              <a:rPr lang="fr-FR" dirty="0"/>
+              <a:t>Déploiement du système complet sur un Cloud (exemple :  AWS,  Azure, IBM)</a:t>
+            </a:r>
+          </a:p>
+          <a:p>
+            <a:r>
+              <a:rPr lang="fr-FR" dirty="0"/>
+              <a:t>Gérez l’écosystème de conteneurs avec Kubernetes</a:t>
+            </a:r>
+          </a:p>
+          <a:p>
+            <a:endParaRPr lang="fr-FR" dirty="0"/>
+          </a:p>
+          <a:p>
+            <a:r>
+              <a:rPr lang="fr-FR" dirty="0"/>
+              <a:t>Ajouter un système de </a:t>
+            </a:r>
+            <a:r>
+              <a:rPr lang="fr-FR" dirty="0" err="1"/>
+              <a:t>like</a:t>
+            </a:r>
+            <a:r>
+              <a:rPr lang="fr-FR" dirty="0"/>
+              <a:t>/</a:t>
+            </a:r>
+            <a:r>
+              <a:rPr lang="fr-FR" dirty="0" err="1"/>
+              <a:t>dislike</a:t>
+            </a:r>
+            <a:r>
+              <a:rPr lang="fr-FR" dirty="0"/>
+              <a:t> pour les vidéos </a:t>
+            </a:r>
+          </a:p>
+          <a:p>
+            <a:pPr lvl="1"/>
+            <a:r>
+              <a:rPr lang="fr-FR" dirty="0"/>
+              <a:t>Introduire un algorithme de proposition de vidéo en fonction des </a:t>
+            </a:r>
+            <a:r>
+              <a:rPr lang="fr-FR" dirty="0" err="1"/>
+              <a:t>likes</a:t>
+            </a:r>
+            <a:r>
+              <a:rPr lang="fr-FR" dirty="0"/>
+              <a:t> et visionnage</a:t>
+            </a:r>
+          </a:p>
+          <a:p>
+            <a:pPr lvl="1"/>
+            <a:endParaRPr lang="fr-FR" dirty="0"/>
+          </a:p>
+          <a:p>
+            <a:r>
+              <a:rPr lang="fr-FR" dirty="0"/>
+              <a:t>Ajouter une liste de favoris</a:t>
+            </a:r>
+          </a:p>
+          <a:p>
+            <a:endParaRPr lang="fr-FR" dirty="0"/>
+          </a:p>
+          <a:p>
+            <a:r>
+              <a:rPr lang="fr-FR" dirty="0"/>
+              <a:t>Ajouter la notion de saison pour les séries (conception)</a:t>
+            </a:r>
+          </a:p>
+          <a:p>
+            <a:endParaRPr lang="fr-FR" dirty="0"/>
+          </a:p>
+        </p:txBody>
+      </p:sp>
+    </p:spTree>
+    <p:extLst>
+      <p:ext uri="{BB962C8B-B14F-4D97-AF65-F5344CB8AC3E}">
+        <p14:creationId xmlns:p14="http://schemas.microsoft.com/office/powerpoint/2010/main" val="2517829131"/>
+      </p:ext>
+    </p:extLst>
+  </p:cSld>
+  <p:clrMapOvr>
+    <a:masterClrMapping/>
+  </p:clrMapOvr>
+  <p:transition spd="slow">
+    <p:wipe/>
+  </p:transition>
+</p:sld>
+</file>
+
+<file path=ppt/slides/slide13.xml><?xml version="1.0" encoding="utf-8"?>
+<p:sld xmlns:a="http://schemas.openxmlformats.org/drawingml/2006/main" xmlns:r="http://schemas.openxmlformats.org/officeDocument/2006/relationships" xmlns:p="http://schemas.openxmlformats.org/presentationml/2006/main">
+  <p:cSld>
+    <p:spTree>
+      <p:nvGrpSpPr>
+        <p:cNvPr id="1" name=""/>
+        <p:cNvGrpSpPr/>
+        <p:nvPr/>
+      </p:nvGrpSpPr>
+      <p:grpSpPr>
+        <a:xfrm>
+          <a:off x="0" y="0"/>
+          <a:ext cx="0" cy="0"/>
+          <a:chOff x="0" y="0"/>
+          <a:chExt cx="0" cy="0"/>
+        </a:xfrm>
+      </p:grpSpPr>
+      <p:sp>
+        <p:nvSpPr>
+          <p:cNvPr id="2" name="Title 1">
+            <a:extLst>
+              <a:ext uri="{FF2B5EF4-FFF2-40B4-BE49-F238E27FC236}">
                 <a16:creationId xmlns:a16="http://schemas.microsoft.com/office/drawing/2014/main" id="{1582F09C-2D7B-AC41-AC63-487B2CFE2494}"/>
               </a:ext>
             </a:extLst>
@@ -3570,7 +3774,12 @@
             <p:ph idx="1"/>
           </p:nvPr>
         </p:nvSpPr>
-        <p:spPr/>
+        <p:spPr>
+          <a:xfrm>
+            <a:off x="2231136" y="2459369"/>
+            <a:ext cx="7729728" cy="3101983"/>
+          </a:xfrm>
+        </p:spPr>
         <p:txBody>
           <a:bodyPr/>
           <a:lstStyle/>
@@ -3634,7 +3843,7 @@
 </p:sld>
 </file>
 
-<file path=ppt/slides/slide12.xml><?xml version="1.0" encoding="utf-8"?>
+<file path=ppt/slides/slide14.xml><?xml version="1.0" encoding="utf-8"?>
 <p:sld xmlns:a="http://schemas.openxmlformats.org/drawingml/2006/main" xmlns:r="http://schemas.openxmlformats.org/officeDocument/2006/relationships" xmlns:p="http://schemas.openxmlformats.org/presentationml/2006/main">
   <p:cSld>
     <p:bg>
@@ -3959,14 +4168,14 @@
           <a:p>
             <a:r>
               <a:rPr lang="fr-FR" dirty="0"/>
-              <a:t>4 projets indépendants :</a:t>
+              <a:t>4 modules indépendants :</a:t>
             </a:r>
           </a:p>
           <a:p>
             <a:pPr lvl="1"/>
             <a:r>
               <a:rPr lang="fr-FR" dirty="0"/>
-              <a:t>Application Utilisateur</a:t>
+              <a:t>Application référentiel Utilisateurs</a:t>
             </a:r>
           </a:p>
           <a:p>
@@ -3987,7 +4196,7 @@
             <a:pPr lvl="1"/>
             <a:r>
               <a:rPr lang="fr-FR" dirty="0"/>
-              <a:t>Application Front</a:t>
+              <a:t>Application Front pour démonstration</a:t>
             </a:r>
           </a:p>
           <a:p>
@@ -4086,52 +4295,73 @@
         </p:nvSpPr>
         <p:spPr>
           <a:xfrm>
-            <a:off x="1103585" y="2017986"/>
-            <a:ext cx="10026869" cy="4393324"/>
+            <a:off x="2231137" y="1860331"/>
+            <a:ext cx="7729728" cy="4792717"/>
           </a:xfrm>
         </p:spPr>
         <p:txBody>
           <a:bodyPr>
-            <a:normAutofit/>
+            <a:normAutofit fontScale="92500" lnSpcReduction="10000"/>
           </a:bodyPr>
           <a:lstStyle/>
           <a:p>
             <a:r>
               <a:rPr lang="fr-FR" dirty="0"/>
-              <a:t>Application compte : Gère les utilisateurs (clients, admin)</a:t>
+              <a:t>Application référentiel clients finaux : Gère les utilisateurs (clients, admin)</a:t>
             </a:r>
           </a:p>
           <a:p>
             <a:pPr lvl="1"/>
             <a:r>
               <a:rPr lang="fr-FR" dirty="0"/>
+              <a:t>CRUD </a:t>
+            </a:r>
+          </a:p>
+          <a:p>
+            <a:pPr lvl="1"/>
+            <a:r>
+              <a:rPr lang="fr-FR" dirty="0"/>
+              <a:t>Services exposé (utilisateurs actif/suspendu)</a:t>
+            </a:r>
+          </a:p>
+          <a:p>
+            <a:r>
+              <a:rPr lang="fr-FR" dirty="0"/>
+              <a:t>Application Media : Gère les médias (nom, description, url vidéo, date…)</a:t>
+            </a:r>
+          </a:p>
+          <a:p>
+            <a:pPr lvl="1"/>
+            <a:r>
+              <a:rPr lang="fr-FR" dirty="0"/>
               <a:t>CRUD</a:t>
             </a:r>
           </a:p>
           <a:p>
-            <a:r>
-              <a:rPr lang="fr-FR" dirty="0"/>
-              <a:t>Application Media : Gère les médias (nom, description, url vidéo, date…)</a:t>
-            </a:r>
-          </a:p>
-          <a:p>
             <a:pPr lvl="1"/>
             <a:r>
               <a:rPr lang="fr-FR" dirty="0"/>
+              <a:t>Services exposé (recherche par catégorie)</a:t>
+            </a:r>
+          </a:p>
+          <a:p>
+            <a:r>
+              <a:rPr lang="fr-FR" dirty="0"/>
+              <a:t>Application Poster : Gère les posters </a:t>
+            </a:r>
+          </a:p>
+          <a:p>
+            <a:pPr lvl="1"/>
+            <a:r>
+              <a:rPr lang="fr-FR" dirty="0"/>
               <a:t>CRUD</a:t>
             </a:r>
           </a:p>
           <a:p>
-            <a:r>
-              <a:rPr lang="fr-FR" dirty="0"/>
-              <a:t>Application Poster : Gère les posters </a:t>
-            </a:r>
-          </a:p>
-          <a:p>
             <a:pPr lvl="1"/>
             <a:r>
               <a:rPr lang="fr-FR" dirty="0"/>
-              <a:t>CRUD</a:t>
+              <a:t>Service exposé (fourni le poster courant en fonction du moment de la journée)</a:t>
             </a:r>
           </a:p>
           <a:p>
@@ -4402,19 +4632,53 @@
           <a:lstStyle/>
           <a:p>
             <a:r>
-              <a:rPr lang="fr-FR"/>
-              <a:t>Architecture Applicative</a:t>
-            </a:r>
-            <a:endParaRPr lang="fr-FR" dirty="0"/>
+              <a:rPr lang="fr-FR" dirty="0"/>
+              <a:t>Architecture Fonctionnelle</a:t>
+            </a:r>
+          </a:p>
+        </p:txBody>
+      </p:sp>
+      <p:sp>
+        <p:nvSpPr>
+          <p:cNvPr id="7" name="TextBox 6">
+            <a:extLst>
+              <a:ext uri="{FF2B5EF4-FFF2-40B4-BE49-F238E27FC236}">
+                <a16:creationId xmlns:a16="http://schemas.microsoft.com/office/drawing/2014/main" id="{D0694517-BFF2-FA47-818F-77865204AC5F}"/>
+              </a:ext>
+            </a:extLst>
+          </p:cNvPr>
+          <p:cNvSpPr txBox="1"/>
+          <p:nvPr/>
+        </p:nvSpPr>
+        <p:spPr>
+          <a:xfrm>
+            <a:off x="10520855" y="1187669"/>
+            <a:ext cx="1185324" cy="369332"/>
+          </a:xfrm>
+          <a:prstGeom prst="rect">
+            <a:avLst/>
+          </a:prstGeom>
+          <a:noFill/>
+        </p:spPr>
+        <p:txBody>
+          <a:bodyPr wrap="none" rtlCol="0">
+            <a:spAutoFit/>
+          </a:bodyPr>
+          <a:lstStyle/>
+          <a:p>
+            <a:r>
+              <a:rPr lang="fr-FR" dirty="0"/>
+              <a:t>Prestataire</a:t>
+            </a:r>
           </a:p>
         </p:txBody>
       </p:sp>
       <p:pic>
         <p:nvPicPr>
-          <p:cNvPr id="4" name="Picture 3" descr="Graphical user interface, application, Teams&#10;&#10;Description automatically generated">
+          <p:cNvPr id="8" name="Picture 7">
             <a:extLst>
               <a:ext uri="{FF2B5EF4-FFF2-40B4-BE49-F238E27FC236}">
-                <a16:creationId xmlns:a16="http://schemas.microsoft.com/office/drawing/2014/main" id="{54D412ED-764D-0B47-86DB-7BBCD71FAE9C}"/>
+                <a16:creationId xmlns:a16="http://schemas.microsoft.com/office/drawing/2014/main" id="{2F50BA23-2336-B742-829A-D01DE2B658E2}"/>
               </a:ext>
             </a:extLst>
           </p:cNvPr>
@@ -4431,7 +4695,138 @@
         </p:blipFill>
         <p:spPr>
           <a:xfrm>
-            <a:off x="1365250" y="1707642"/>
+            <a:off x="1365250" y="1725450"/>
+            <a:ext cx="9461500" cy="5080000"/>
+          </a:xfrm>
+          <a:prstGeom prst="rect">
+            <a:avLst/>
+          </a:prstGeom>
+        </p:spPr>
+      </p:pic>
+    </p:spTree>
+    <p:extLst>
+      <p:ext uri="{BB962C8B-B14F-4D97-AF65-F5344CB8AC3E}">
+        <p14:creationId xmlns:p14="http://schemas.microsoft.com/office/powerpoint/2010/main" val="536367650"/>
+      </p:ext>
+    </p:extLst>
+  </p:cSld>
+  <p:clrMapOvr>
+    <a:masterClrMapping/>
+  </p:clrMapOvr>
+  <p:transition spd="slow">
+    <p:wipe/>
+  </p:transition>
+</p:sld>
+</file>
+
+<file path=ppt/slides/slide6.xml><?xml version="1.0" encoding="utf-8"?>
+<p:sld xmlns:a="http://schemas.openxmlformats.org/drawingml/2006/main" xmlns:r="http://schemas.openxmlformats.org/officeDocument/2006/relationships" xmlns:p="http://schemas.openxmlformats.org/presentationml/2006/main">
+  <p:cSld>
+    <p:spTree>
+      <p:nvGrpSpPr>
+        <p:cNvPr id="1" name=""/>
+        <p:cNvGrpSpPr/>
+        <p:nvPr/>
+      </p:nvGrpSpPr>
+      <p:grpSpPr>
+        <a:xfrm>
+          <a:off x="0" y="0"/>
+          <a:ext cx="0" cy="0"/>
+          <a:chOff x="0" y="0"/>
+          <a:chExt cx="0" cy="0"/>
+        </a:xfrm>
+      </p:grpSpPr>
+      <p:sp>
+        <p:nvSpPr>
+          <p:cNvPr id="6" name="Title 5">
+            <a:extLst>
+              <a:ext uri="{FF2B5EF4-FFF2-40B4-BE49-F238E27FC236}">
+                <a16:creationId xmlns:a16="http://schemas.microsoft.com/office/drawing/2014/main" id="{82AC3C52-7F45-3447-9A8E-4682EEDEE341}"/>
+              </a:ext>
+            </a:extLst>
+          </p:cNvPr>
+          <p:cNvSpPr>
+            <a:spLocks noGrp="1"/>
+          </p:cNvSpPr>
+          <p:nvPr>
+            <p:ph type="title"/>
+          </p:nvPr>
+        </p:nvSpPr>
+        <p:spPr>
+          <a:xfrm>
+            <a:off x="2231136" y="438912"/>
+            <a:ext cx="7729728" cy="1188720"/>
+          </a:xfrm>
+        </p:spPr>
+        <p:txBody>
+          <a:bodyPr/>
+          <a:lstStyle/>
+          <a:p>
+            <a:r>
+              <a:rPr lang="fr-FR" dirty="0"/>
+              <a:t>Architecture Fonctionnelle</a:t>
+            </a:r>
+          </a:p>
+        </p:txBody>
+      </p:sp>
+      <p:sp>
+        <p:nvSpPr>
+          <p:cNvPr id="2" name="TextBox 1">
+            <a:extLst>
+              <a:ext uri="{FF2B5EF4-FFF2-40B4-BE49-F238E27FC236}">
+                <a16:creationId xmlns:a16="http://schemas.microsoft.com/office/drawing/2014/main" id="{B0D86540-5048-8A4C-AEA2-DE429E12F8D2}"/>
+              </a:ext>
+            </a:extLst>
+          </p:cNvPr>
+          <p:cNvSpPr txBox="1"/>
+          <p:nvPr/>
+        </p:nvSpPr>
+        <p:spPr>
+          <a:xfrm>
+            <a:off x="10520855" y="1187669"/>
+            <a:ext cx="1159292" cy="369332"/>
+          </a:xfrm>
+          <a:prstGeom prst="rect">
+            <a:avLst/>
+          </a:prstGeom>
+          <a:noFill/>
+        </p:spPr>
+        <p:txBody>
+          <a:bodyPr wrap="none" rtlCol="0">
+            <a:spAutoFit/>
+          </a:bodyPr>
+          <a:lstStyle/>
+          <a:p>
+            <a:r>
+              <a:rPr lang="fr-FR" dirty="0"/>
+              <a:t>Utilisateur</a:t>
+            </a:r>
+          </a:p>
+        </p:txBody>
+      </p:sp>
+      <p:pic>
+        <p:nvPicPr>
+          <p:cNvPr id="5" name="Picture 4">
+            <a:extLst>
+              <a:ext uri="{FF2B5EF4-FFF2-40B4-BE49-F238E27FC236}">
+                <a16:creationId xmlns:a16="http://schemas.microsoft.com/office/drawing/2014/main" id="{24721C7C-4AAF-2D44-8EC9-D4DAF2590282}"/>
+              </a:ext>
+            </a:extLst>
+          </p:cNvPr>
+          <p:cNvPicPr>
+            <a:picLocks noChangeAspect="1"/>
+          </p:cNvPicPr>
+          <p:nvPr/>
+        </p:nvPicPr>
+        <p:blipFill>
+          <a:blip r:embed="rId2"/>
+          <a:stretch>
+            <a:fillRect/>
+          </a:stretch>
+        </p:blipFill>
+        <p:spPr>
+          <a:xfrm>
+            <a:off x="1365250" y="1723978"/>
             <a:ext cx="9461500" cy="5080000"/>
           </a:xfrm>
           <a:prstGeom prst="rect">
@@ -4455,7 +4850,302 @@
 </p:sld>
 </file>
 
-<file path=ppt/slides/slide6.xml><?xml version="1.0" encoding="utf-8"?>
+<file path=ppt/slides/slide7.xml><?xml version="1.0" encoding="utf-8"?>
+<p:sld xmlns:a="http://schemas.openxmlformats.org/drawingml/2006/main" xmlns:r="http://schemas.openxmlformats.org/officeDocument/2006/relationships" xmlns:p="http://schemas.openxmlformats.org/presentationml/2006/main">
+  <p:cSld>
+    <p:spTree>
+      <p:nvGrpSpPr>
+        <p:cNvPr id="1" name=""/>
+        <p:cNvGrpSpPr/>
+        <p:nvPr/>
+      </p:nvGrpSpPr>
+      <p:grpSpPr>
+        <a:xfrm>
+          <a:off x="0" y="0"/>
+          <a:ext cx="0" cy="0"/>
+          <a:chOff x="0" y="0"/>
+          <a:chExt cx="0" cy="0"/>
+        </a:xfrm>
+      </p:grpSpPr>
+      <p:sp>
+        <p:nvSpPr>
+          <p:cNvPr id="6" name="Title 5">
+            <a:extLst>
+              <a:ext uri="{FF2B5EF4-FFF2-40B4-BE49-F238E27FC236}">
+                <a16:creationId xmlns:a16="http://schemas.microsoft.com/office/drawing/2014/main" id="{82AC3C52-7F45-3447-9A8E-4682EEDEE341}"/>
+              </a:ext>
+            </a:extLst>
+          </p:cNvPr>
+          <p:cNvSpPr>
+            <a:spLocks noGrp="1"/>
+          </p:cNvSpPr>
+          <p:nvPr>
+            <p:ph type="title"/>
+          </p:nvPr>
+        </p:nvSpPr>
+        <p:spPr>
+          <a:xfrm>
+            <a:off x="2231136" y="438912"/>
+            <a:ext cx="7729728" cy="1188720"/>
+          </a:xfrm>
+        </p:spPr>
+        <p:txBody>
+          <a:bodyPr/>
+          <a:lstStyle/>
+          <a:p>
+            <a:r>
+              <a:rPr lang="fr-FR" dirty="0"/>
+              <a:t>Architecture Logicielle</a:t>
+            </a:r>
+          </a:p>
+        </p:txBody>
+      </p:sp>
+      <p:sp>
+        <p:nvSpPr>
+          <p:cNvPr id="2" name="TextBox 1">
+            <a:extLst>
+              <a:ext uri="{FF2B5EF4-FFF2-40B4-BE49-F238E27FC236}">
+                <a16:creationId xmlns:a16="http://schemas.microsoft.com/office/drawing/2014/main" id="{ECA58736-2407-6842-BD37-D94EB91CD3CC}"/>
+              </a:ext>
+            </a:extLst>
+          </p:cNvPr>
+          <p:cNvSpPr txBox="1"/>
+          <p:nvPr/>
+        </p:nvSpPr>
+        <p:spPr>
+          <a:xfrm>
+            <a:off x="1334814" y="2164734"/>
+            <a:ext cx="4872552" cy="369332"/>
+          </a:xfrm>
+          <a:prstGeom prst="rect">
+            <a:avLst/>
+          </a:prstGeom>
+          <a:noFill/>
+        </p:spPr>
+        <p:txBody>
+          <a:bodyPr wrap="none" rtlCol="0">
+            <a:spAutoFit/>
+          </a:bodyPr>
+          <a:lstStyle/>
+          <a:p>
+            <a:r>
+              <a:rPr lang="fr-FR" dirty="0"/>
+              <a:t>Exemple : Recherche Media par catégorie et genre</a:t>
+            </a:r>
+          </a:p>
+        </p:txBody>
+      </p:sp>
+      <p:sp>
+        <p:nvSpPr>
+          <p:cNvPr id="5" name="TextBox 4">
+            <a:extLst>
+              <a:ext uri="{FF2B5EF4-FFF2-40B4-BE49-F238E27FC236}">
+                <a16:creationId xmlns:a16="http://schemas.microsoft.com/office/drawing/2014/main" id="{1E22E1E4-5DE4-7546-A34B-7D098510D40E}"/>
+              </a:ext>
+            </a:extLst>
+          </p:cNvPr>
+          <p:cNvSpPr txBox="1"/>
+          <p:nvPr/>
+        </p:nvSpPr>
+        <p:spPr>
+          <a:xfrm>
+            <a:off x="1334814" y="2786796"/>
+            <a:ext cx="10268700" cy="3139321"/>
+          </a:xfrm>
+          <a:prstGeom prst="rect">
+            <a:avLst/>
+          </a:prstGeom>
+          <a:noFill/>
+        </p:spPr>
+        <p:txBody>
+          <a:bodyPr wrap="square" rtlCol="0">
+            <a:spAutoFit/>
+          </a:bodyPr>
+          <a:lstStyle/>
+          <a:p>
+            <a:r>
+              <a:rPr lang="fr-FR" dirty="0"/>
+              <a:t>@</a:t>
+            </a:r>
+            <a:r>
+              <a:rPr lang="fr-FR" dirty="0" err="1"/>
+              <a:t>EndPoint</a:t>
+            </a:r>
+            <a:r>
+              <a:rPr lang="fr-FR" dirty="0"/>
+              <a:t> API : media / gestion / {</a:t>
+            </a:r>
+            <a:r>
+              <a:rPr lang="fr-FR" dirty="0" err="1"/>
+              <a:t>id_user</a:t>
+            </a:r>
+            <a:r>
+              <a:rPr lang="fr-FR" dirty="0"/>
+              <a:t>} / {</a:t>
+            </a:r>
+            <a:r>
+              <a:rPr lang="fr-FR" dirty="0" err="1"/>
+              <a:t>category</a:t>
+            </a:r>
+            <a:r>
+              <a:rPr lang="fr-FR" dirty="0"/>
+              <a:t>} / {country} / {</a:t>
+            </a:r>
+            <a:r>
+              <a:rPr lang="fr-FR" dirty="0" err="1"/>
+              <a:t>kind</a:t>
+            </a:r>
+            <a:r>
+              <a:rPr lang="fr-FR" dirty="0"/>
+              <a:t>}</a:t>
+            </a:r>
+          </a:p>
+          <a:p>
+            <a:endParaRPr lang="fr-FR" dirty="0"/>
+          </a:p>
+          <a:p>
+            <a:r>
+              <a:rPr lang="fr-FR" dirty="0"/>
+              <a:t>		Vérification statut du User =&gt; appel Utilisateur API</a:t>
+            </a:r>
+          </a:p>
+          <a:p>
+            <a:r>
+              <a:rPr lang="fr-FR" dirty="0"/>
+              <a:t>		Si : Statut User == ACTIF</a:t>
+            </a:r>
+          </a:p>
+          <a:p>
+            <a:r>
+              <a:rPr lang="fr-FR" dirty="0"/>
+              <a:t>			Alors :</a:t>
+            </a:r>
+          </a:p>
+          <a:p>
+            <a:r>
+              <a:rPr lang="fr-FR" dirty="0"/>
+              <a:t>				Appel Base de donnée Media (</a:t>
+            </a:r>
+            <a:r>
+              <a:rPr lang="fr-FR" dirty="0" err="1"/>
+              <a:t>Query</a:t>
+            </a:r>
+            <a:r>
+              <a:rPr lang="fr-FR" dirty="0"/>
+              <a:t> SQL avec les paramètres de l’appel)</a:t>
+            </a:r>
+          </a:p>
+          <a:p>
+            <a:r>
+              <a:rPr lang="fr-FR" dirty="0"/>
+              <a:t>				Appel Base de donnée Poster : retourne le poster en fonction du moment de la journée</a:t>
+            </a:r>
+          </a:p>
+          <a:p>
+            <a:r>
+              <a:rPr lang="fr-FR" dirty="0"/>
+              <a:t>				Retourner : 	Model Media et Poster </a:t>
+            </a:r>
+          </a:p>
+          <a:p>
+            <a:r>
+              <a:rPr lang="fr-FR" dirty="0"/>
+              <a:t>							Statut code HTTP 200 OK</a:t>
+            </a:r>
+          </a:p>
+          <a:p>
+            <a:r>
+              <a:rPr lang="fr-FR" dirty="0"/>
+              <a:t>				</a:t>
+            </a:r>
+          </a:p>
+          <a:p>
+            <a:r>
+              <a:rPr lang="fr-FR" dirty="0"/>
+              <a:t>		Sinon : On retourne un statut code HTTP : 401 </a:t>
+            </a:r>
+            <a:r>
+              <a:rPr lang="fr-FR" dirty="0" err="1"/>
+              <a:t>unauthorized</a:t>
+            </a:r>
+            <a:endParaRPr lang="fr-FR" dirty="0"/>
+          </a:p>
+        </p:txBody>
+      </p:sp>
+      <p:sp>
+        <p:nvSpPr>
+          <p:cNvPr id="4" name="Bent Arrow 3">
+            <a:extLst>
+              <a:ext uri="{FF2B5EF4-FFF2-40B4-BE49-F238E27FC236}">
+                <a16:creationId xmlns:a16="http://schemas.microsoft.com/office/drawing/2014/main" id="{A822D077-9257-054A-AAA0-E0D129D3996C}"/>
+              </a:ext>
+            </a:extLst>
+          </p:cNvPr>
+          <p:cNvSpPr>
+            <a:spLocks noChangeAspect="1"/>
+          </p:cNvSpPr>
+          <p:nvPr/>
+        </p:nvSpPr>
+        <p:spPr>
+          <a:xfrm rot="10800000" flipH="1">
+            <a:off x="1740387" y="3267266"/>
+            <a:ext cx="324000" cy="323467"/>
+          </a:xfrm>
+          <a:prstGeom prst="bentArrow">
+            <a:avLst>
+              <a:gd name="adj1" fmla="val 25000"/>
+              <a:gd name="adj2" fmla="val 22351"/>
+              <a:gd name="adj3" fmla="val 25000"/>
+              <a:gd name="adj4" fmla="val 43750"/>
+            </a:avLst>
+          </a:prstGeom>
+        </p:spPr>
+        <p:style>
+          <a:lnRef idx="2">
+            <a:schemeClr val="dk1">
+              <a:shade val="50000"/>
+            </a:schemeClr>
+          </a:lnRef>
+          <a:fillRef idx="1">
+            <a:schemeClr val="dk1"/>
+          </a:fillRef>
+          <a:effectRef idx="0">
+            <a:schemeClr val="dk1"/>
+          </a:effectRef>
+          <a:fontRef idx="minor">
+            <a:schemeClr val="lt1"/>
+          </a:fontRef>
+        </p:style>
+        <p:txBody>
+          <a:bodyPr rtlCol="0" anchor="ctr"/>
+          <a:lstStyle/>
+          <a:p>
+            <a:pPr algn="ctr"/>
+            <a:endParaRPr lang="fr-FR">
+              <a:solidFill>
+                <a:schemeClr val="tx1"/>
+              </a:solidFill>
+            </a:endParaRPr>
+          </a:p>
+        </p:txBody>
+      </p:sp>
+    </p:spTree>
+    <p:extLst>
+      <p:ext uri="{BB962C8B-B14F-4D97-AF65-F5344CB8AC3E}">
+        <p14:creationId xmlns:p14="http://schemas.microsoft.com/office/powerpoint/2010/main" val="4291083916"/>
+      </p:ext>
+    </p:extLst>
+  </p:cSld>
+  <p:clrMapOvr>
+    <a:masterClrMapping/>
+  </p:clrMapOvr>
+  <p:transition spd="slow">
+    <p:wipe/>
+  </p:transition>
+</p:sld>
+</file>
+
+<file path=ppt/slides/slide8.xml><?xml version="1.0" encoding="utf-8"?>
 <p:sld xmlns:a="http://schemas.openxmlformats.org/drawingml/2006/main" xmlns:r="http://schemas.openxmlformats.org/officeDocument/2006/relationships" xmlns:p="http://schemas.openxmlformats.org/presentationml/2006/main">
   <p:cSld>
     <p:spTree>
@@ -4648,7 +5338,7 @@
         <p:spPr>
           <a:xfrm>
             <a:off x="746557" y="4983449"/>
-            <a:ext cx="1998624" cy="646331"/>
+            <a:ext cx="2247731" cy="646331"/>
           </a:xfrm>
           <a:prstGeom prst="rect">
             <a:avLst/>
@@ -4673,8 +5363,20 @@
           </a:p>
           <a:p>
             <a:r>
-              <a:rPr lang="fr-FR" dirty="0"/>
-              <a:t>Branch Release</a:t>
+              <a:rPr lang="fr-FR" dirty="0" err="1"/>
+              <a:t>Merge</a:t>
+            </a:r>
+            <a:r>
+              <a:rPr lang="fr-FR" dirty="0"/>
+              <a:t> </a:t>
+            </a:r>
+            <a:r>
+              <a:rPr lang="fr-FR" dirty="0" err="1"/>
+              <a:t>branch</a:t>
+            </a:r>
+            <a:r>
+              <a:rPr lang="fr-FR" dirty="0"/>
+              <a:t> Release</a:t>
             </a:r>
           </a:p>
         </p:txBody>
@@ -4947,7 +5649,7 @@
 </p:sld>
 </file>
 
-<file path=ppt/slides/slide7.xml><?xml version="1.0" encoding="utf-8"?>
+<file path=ppt/slides/slide9.xml><?xml version="1.0" encoding="utf-8"?>
 <p:sld xmlns:a="http://schemas.openxmlformats.org/drawingml/2006/main" xmlns:r="http://schemas.openxmlformats.org/officeDocument/2006/relationships" xmlns:p="http://schemas.openxmlformats.org/presentationml/2006/main">
   <p:cSld>
     <p:spTree>
@@ -6176,209 +6878,6 @@
 </p:sld>
 </file>
 
-<file path=ppt/slides/slide8.xml><?xml version="1.0" encoding="utf-8"?>
-<p:sld xmlns:a="http://schemas.openxmlformats.org/drawingml/2006/main" xmlns:r="http://schemas.openxmlformats.org/officeDocument/2006/relationships" xmlns:p="http://schemas.openxmlformats.org/presentationml/2006/main">
-  <p:cSld>
-    <p:spTree>
-      <p:nvGrpSpPr>
-        <p:cNvPr id="1" name=""/>
-        <p:cNvGrpSpPr/>
-        <p:nvPr/>
-      </p:nvGrpSpPr>
-      <p:grpSpPr>
-        <a:xfrm>
-          <a:off x="0" y="0"/>
-          <a:ext cx="0" cy="0"/>
-          <a:chOff x="0" y="0"/>
-          <a:chExt cx="0" cy="0"/>
-        </a:xfrm>
-      </p:grpSpPr>
-      <p:sp>
-        <p:nvSpPr>
-          <p:cNvPr id="2" name="Title 1">
-            <a:extLst>
-              <a:ext uri="{FF2B5EF4-FFF2-40B4-BE49-F238E27FC236}">
-                <a16:creationId xmlns:a16="http://schemas.microsoft.com/office/drawing/2014/main" id="{10FA0AD3-53AC-F241-B870-BAEC35732025}"/>
-              </a:ext>
-            </a:extLst>
-          </p:cNvPr>
-          <p:cNvSpPr>
-            <a:spLocks noGrp="1"/>
-          </p:cNvSpPr>
-          <p:nvPr>
-            <p:ph type="title"/>
-          </p:nvPr>
-        </p:nvSpPr>
-        <p:spPr>
-          <a:xfrm>
-            <a:off x="2231136" y="598932"/>
-            <a:ext cx="7729728" cy="1188720"/>
-          </a:xfrm>
-        </p:spPr>
-        <p:txBody>
-          <a:bodyPr/>
-          <a:lstStyle/>
-          <a:p>
-            <a:r>
-              <a:rPr lang="fr-FR" dirty="0"/>
-              <a:t>Procédure déploiement</a:t>
-            </a:r>
-          </a:p>
-        </p:txBody>
-      </p:sp>
-      <p:sp>
-        <p:nvSpPr>
-          <p:cNvPr id="3" name="Content Placeholder 2">
-            <a:extLst>
-              <a:ext uri="{FF2B5EF4-FFF2-40B4-BE49-F238E27FC236}">
-                <a16:creationId xmlns:a16="http://schemas.microsoft.com/office/drawing/2014/main" id="{C39E324D-F53F-EE40-8880-73ACBFAA008D}"/>
-              </a:ext>
-            </a:extLst>
-          </p:cNvPr>
-          <p:cNvSpPr>
-            <a:spLocks noGrp="1"/>
-          </p:cNvSpPr>
-          <p:nvPr>
-            <p:ph idx="1"/>
-          </p:nvPr>
-        </p:nvSpPr>
-        <p:spPr/>
-        <p:txBody>
-          <a:bodyPr/>
-          <a:lstStyle/>
-          <a:p>
-            <a:r>
-              <a:rPr lang="fr-FR" dirty="0"/>
-              <a:t>Installer docker / docker compose </a:t>
-            </a:r>
-          </a:p>
-          <a:p>
-            <a:r>
-              <a:rPr lang="fr-FR" dirty="0"/>
-              <a:t>Git clone </a:t>
-            </a:r>
-            <a:r>
-              <a:rPr lang="fr-FR" dirty="0">
-                <a:hlinkClick r:id="rId2"/>
-              </a:rPr>
-              <a:t>https://github.com/hugoj78/servicewebnetflixdocker</a:t>
-            </a:r>
-            <a:endParaRPr lang="fr-FR" dirty="0"/>
-          </a:p>
-          <a:p>
-            <a:r>
-              <a:rPr lang="fr-FR" dirty="0"/>
-              <a:t>Se mettre dans le dossier « </a:t>
-            </a:r>
-            <a:r>
-              <a:rPr lang="fr-FR" dirty="0" err="1"/>
-              <a:t>servicewebnetflixdocker</a:t>
-            </a:r>
-            <a:r>
-              <a:rPr lang="fr-FR" dirty="0"/>
-              <a:t> »</a:t>
-            </a:r>
-          </a:p>
-          <a:p>
-            <a:r>
-              <a:rPr lang="fr-FR" dirty="0"/>
-              <a:t>Lancer la commande :   « docker compose up »</a:t>
-            </a:r>
-          </a:p>
-          <a:p>
-            <a:r>
-              <a:rPr lang="fr-FR" dirty="0"/>
-              <a:t>Ouvrir son navigateur à l’url suivante : « http://localhost:3000/ »</a:t>
-            </a:r>
-          </a:p>
-          <a:p>
-            <a:endParaRPr lang="fr-FR" dirty="0"/>
-          </a:p>
-        </p:txBody>
-      </p:sp>
-    </p:spTree>
-    <p:extLst>
-      <p:ext uri="{BB962C8B-B14F-4D97-AF65-F5344CB8AC3E}">
-        <p14:creationId xmlns:p14="http://schemas.microsoft.com/office/powerpoint/2010/main" val="1385741746"/>
-      </p:ext>
-    </p:extLst>
-  </p:cSld>
-  <p:clrMapOvr>
-    <a:masterClrMapping/>
-  </p:clrMapOvr>
-  <p:transition spd="slow">
-    <p:wipe/>
-  </p:transition>
-</p:sld>
-</file>
-
-<file path=ppt/slides/slide9.xml><?xml version="1.0" encoding="utf-8"?>
-<p:sld xmlns:a="http://schemas.openxmlformats.org/drawingml/2006/main" xmlns:r="http://schemas.openxmlformats.org/officeDocument/2006/relationships" xmlns:p="http://schemas.openxmlformats.org/presentationml/2006/main">
-  <p:cSld>
-    <p:spTree>
-      <p:nvGrpSpPr>
-        <p:cNvPr id="1" name=""/>
-        <p:cNvGrpSpPr/>
-        <p:nvPr/>
-      </p:nvGrpSpPr>
-      <p:grpSpPr>
-        <a:xfrm>
-          <a:off x="0" y="0"/>
-          <a:ext cx="0" cy="0"/>
-          <a:chOff x="0" y="0"/>
-          <a:chExt cx="0" cy="0"/>
-        </a:xfrm>
-      </p:grpSpPr>
-      <p:sp>
-        <p:nvSpPr>
-          <p:cNvPr id="2" name="Title 1">
-            <a:extLst>
-              <a:ext uri="{FF2B5EF4-FFF2-40B4-BE49-F238E27FC236}">
-                <a16:creationId xmlns:a16="http://schemas.microsoft.com/office/drawing/2014/main" id="{10FA0AD3-53AC-F241-B870-BAEC35732025}"/>
-              </a:ext>
-            </a:extLst>
-          </p:cNvPr>
-          <p:cNvSpPr>
-            <a:spLocks noGrp="1"/>
-          </p:cNvSpPr>
-          <p:nvPr>
-            <p:ph type="title"/>
-          </p:nvPr>
-        </p:nvSpPr>
-        <p:spPr>
-          <a:xfrm>
-            <a:off x="2231136" y="2834640"/>
-            <a:ext cx="7729728" cy="1188720"/>
-          </a:xfrm>
-        </p:spPr>
-        <p:txBody>
-          <a:bodyPr/>
-          <a:lstStyle/>
-          <a:p>
-            <a:r>
-              <a:rPr lang="fr-FR"/>
-              <a:t>Démonstration</a:t>
-            </a:r>
-            <a:endParaRPr lang="fr-FR" dirty="0"/>
-          </a:p>
-        </p:txBody>
-      </p:sp>
-    </p:spTree>
-    <p:extLst>
-      <p:ext uri="{BB962C8B-B14F-4D97-AF65-F5344CB8AC3E}">
-        <p14:creationId xmlns:p14="http://schemas.microsoft.com/office/powerpoint/2010/main" val="4200157070"/>
-      </p:ext>
-    </p:extLst>
-  </p:cSld>
-  <p:clrMapOvr>
-    <a:masterClrMapping/>
-  </p:clrMapOvr>
-  <p:transition spd="slow">
-    <p:wipe/>
-  </p:transition>
-</p:sld>
-</file>
-
 <file path=ppt/theme/theme1.xml><?xml version="1.0" encoding="utf-8"?>
 <a:theme xmlns:a="http://schemas.openxmlformats.org/drawingml/2006/main" name="Parcel">
   <a:themeElements>

--- a/Presentation.pptx
+++ b/Presentation.pptx
@@ -3278,12 +3278,8 @@
           <a:lstStyle/>
           <a:p>
             <a:r>
-              <a:rPr lang="fr-FR" dirty="0"/>
-              <a:t>Web Service </a:t>
-            </a:r>
-            <a:r>
-              <a:rPr lang="fr-FR" dirty="0" err="1"/>
-              <a:t>netflix</a:t>
+              <a:rPr lang="fr-FR"/>
+              <a:t>Projet SI : netflix</a:t>
             </a:r>
             <a:endParaRPr lang="fr-FR" dirty="0"/>
           </a:p>

--- a/Presentation.pptx
+++ b/Presentation.pptx
@@ -3278,8 +3278,12 @@
           <a:lstStyle/>
           <a:p>
             <a:r>
-              <a:rPr lang="fr-FR"/>
-              <a:t>Projet SI : netflix</a:t>
+              <a:rPr lang="fr-FR" dirty="0"/>
+              <a:t>Projet SI : </a:t>
+            </a:r>
+            <a:r>
+              <a:rPr lang="fr-FR" dirty="0" err="1"/>
+              <a:t>netflix</a:t>
             </a:r>
             <a:endParaRPr lang="fr-FR" dirty="0"/>
           </a:p>
@@ -6357,8 +6361,13 @@
               </a:r>
               <a:r>
                 <a:rPr lang="fr-FR" dirty="0"/>
-                <a:t> API (FLASK)</a:t>
+                <a:t> </a:t>
               </a:r>
+              <a:r>
+                <a:rPr lang="fr-FR"/>
+                <a:t>API </a:t>
+              </a:r>
+              <a:endParaRPr lang="fr-FR" dirty="0"/>
             </a:p>
             <a:p>
               <a:endParaRPr lang="fr-FR" dirty="0"/>

--- a/Presentation.pptx
+++ b/Presentation.pptx
@@ -3609,12 +3609,14 @@
         </p:nvSpPr>
         <p:spPr>
           <a:xfrm>
-            <a:off x="2231136" y="2342623"/>
-            <a:ext cx="7729728" cy="3563059"/>
+            <a:off x="2231136" y="2063843"/>
+            <a:ext cx="7729728" cy="4303504"/>
           </a:xfrm>
         </p:spPr>
         <p:txBody>
-          <a:bodyPr/>
+          <a:bodyPr>
+            <a:normAutofit lnSpcReduction="10000"/>
+          </a:bodyPr>
           <a:lstStyle/>
           <a:p>
             <a:r>
@@ -3685,6 +3687,15 @@
             <a:r>
               <a:rPr lang="fr-FR" dirty="0"/>
               <a:t>Ajouter la notion de saison pour les séries (conception)</a:t>
+            </a:r>
+          </a:p>
+          <a:p>
+            <a:endParaRPr lang="fr-FR" dirty="0"/>
+          </a:p>
+          <a:p>
+            <a:r>
+              <a:rPr lang="fr-FR" dirty="0"/>
+              <a:t>Ajouter Test</a:t>
             </a:r>
           </a:p>
           <a:p>
@@ -6361,13 +6372,8 @@
               </a:r>
               <a:r>
                 <a:rPr lang="fr-FR" dirty="0"/>
-                <a:t> </a:t>
+                <a:t> API </a:t>
               </a:r>
-              <a:r>
-                <a:rPr lang="fr-FR"/>
-                <a:t>API </a:t>
-              </a:r>
-              <a:endParaRPr lang="fr-FR" dirty="0"/>
             </a:p>
             <a:p>
               <a:endParaRPr lang="fr-FR" dirty="0"/>
